--- a/lectures/13-Paging and VM Deisgn.pptx
+++ b/lectures/13-Paging and VM Deisgn.pptx
@@ -5,10 +5,10 @@
     <p:sldMasterId id="2147483648" r:id="rId1"/>
   </p:sldMasterIdLst>
   <p:notesMasterIdLst>
-    <p:notesMasterId r:id="rId63"/>
+    <p:notesMasterId r:id="rId62"/>
   </p:notesMasterIdLst>
   <p:handoutMasterIdLst>
-    <p:handoutMasterId r:id="rId64"/>
+    <p:handoutMasterId r:id="rId63"/>
   </p:handoutMasterIdLst>
   <p:sldIdLst>
     <p:sldId id="256" r:id="rId2"/>
@@ -71,7 +71,6 @@
     <p:sldId id="312" r:id="rId59"/>
     <p:sldId id="313" r:id="rId60"/>
     <p:sldId id="314" r:id="rId61"/>
-    <p:sldId id="315" r:id="rId62"/>
   </p:sldIdLst>
   <p:sldSz cx="13004800" cy="9753600"/>
   <p:notesSz cx="9928225" cy="6797675"/>
@@ -1325,83 +1324,6 @@
           <a:p>
             <a:r>
               <a:t>Another benefit of multiway trees is that each node (directory) in the tree has a fixed- size (usually a page).</a:t>
-            </a:r>
-          </a:p>
-        </p:txBody>
-      </p:sp>
-    </p:spTree>
-  </p:cSld>
-  <p:clrMapOvr>
-    <a:masterClrMapping/>
-  </p:clrMapOvr>
-</p:notes>
-</file>
-
-<file path=ppt/notesSlides/notesSlide8.xml><?xml version="1.0" encoding="utf-8"?>
-<p:notes xmlns:a="http://schemas.openxmlformats.org/drawingml/2006/main" xmlns:r="http://schemas.openxmlformats.org/officeDocument/2006/relationships" xmlns:p="http://schemas.openxmlformats.org/presentationml/2006/main">
-  <p:cSld>
-    <p:spTree>
-      <p:nvGrpSpPr>
-        <p:cNvPr id="1" name=""/>
-        <p:cNvGrpSpPr/>
-        <p:nvPr/>
-      </p:nvGrpSpPr>
-      <p:grpSpPr>
-        <a:xfrm>
-          <a:off x="0" y="0"/>
-          <a:ext cx="0" cy="0"/>
-          <a:chOff x="0" y="0"/>
-          <a:chExt cx="0" cy="0"/>
-        </a:xfrm>
-      </p:grpSpPr>
-      <p:sp>
-        <p:nvSpPr>
-          <p:cNvPr id="387" name="Shape 387"/>
-          <p:cNvSpPr>
-            <a:spLocks noGrp="1" noRot="1" noChangeAspect="1"/>
-          </p:cNvSpPr>
-          <p:nvPr>
-            <p:ph type="sldImg"/>
-          </p:nvPr>
-        </p:nvSpPr>
-        <p:spPr>
-          <a:prstGeom prst="rect">
-            <a:avLst/>
-          </a:prstGeom>
-        </p:spPr>
-        <p:txBody>
-          <a:bodyPr/>
-          <a:lstStyle/>
-          <a:p>
-            <a:endParaRPr/>
-          </a:p>
-        </p:txBody>
-      </p:sp>
-      <p:sp>
-        <p:nvSpPr>
-          <p:cNvPr id="388" name="Shape 388"/>
-          <p:cNvSpPr>
-            <a:spLocks noGrp="1"/>
-          </p:cNvSpPr>
-          <p:nvPr>
-            <p:ph type="body" sz="quarter" idx="1"/>
-          </p:nvPr>
-        </p:nvSpPr>
-        <p:spPr>
-          <a:prstGeom prst="rect">
-            <a:avLst/>
-          </a:prstGeom>
-        </p:spPr>
-        <p:txBody>
-          <a:bodyPr/>
-          <a:lstStyle>
-            <a:lvl1pPr>
-              <a:defRPr sz="3000"/>
-            </a:lvl1pPr>
-          </a:lstStyle>
-          <a:p>
-            <a:r>
-              <a:t>Largest known physical memory chip 2^48 bits ( Several TB ) until now.</a:t>
             </a:r>
           </a:p>
         </p:txBody>
@@ -11867,7 +11789,9 @@
           </a:prstGeom>
         </p:spPr>
         <p:txBody>
-          <a:bodyPr/>
+          <a:bodyPr>
+            <a:normAutofit lnSpcReduction="10000"/>
+          </a:bodyPr>
           <a:lstStyle/>
           <a:p>
             <a:pPr marL="415607" indent="-415607" defTabSz="578358">
@@ -11948,10 +11872,13 @@
               </a:defRPr>
             </a:pPr>
             <a:r>
-              <a:rPr dirty="0"/>
+              <a:rPr sz="2800" dirty="0">
+                <a:solidFill>
+                  <a:schemeClr val="tx1"/>
+                </a:solidFill>
+              </a:rPr>
               <a:t>Thrashing and working set</a:t>
             </a:r>
-            <a:endParaRPr sz="3168" dirty="0"/>
           </a:p>
           <a:p>
             <a:pPr marL="782319" lvl="1" indent="-342264" defTabSz="578358">
@@ -11971,10 +11898,13 @@
               </a:defRPr>
             </a:pPr>
             <a:r>
-              <a:rPr dirty="0"/>
+              <a:rPr sz="2800" dirty="0">
+                <a:solidFill>
+                  <a:schemeClr val="tx1"/>
+                </a:solidFill>
+              </a:rPr>
               <a:t>Backing store</a:t>
             </a:r>
-            <a:endParaRPr sz="3168" dirty="0"/>
           </a:p>
           <a:p>
             <a:pPr marL="782319" lvl="1" indent="-342264" defTabSz="578358">
@@ -11994,10 +11924,13 @@
               </a:defRPr>
             </a:pPr>
             <a:r>
-              <a:rPr dirty="0"/>
+              <a:rPr sz="2800" dirty="0">
+                <a:solidFill>
+                  <a:schemeClr val="tx1"/>
+                </a:solidFill>
+              </a:rPr>
               <a:t>Simulate certain PTE bits</a:t>
             </a:r>
-            <a:endParaRPr sz="3168" dirty="0"/>
           </a:p>
           <a:p>
             <a:pPr marL="782319" lvl="1" indent="-342264" defTabSz="578358">
@@ -12017,10 +11950,13 @@
               </a:defRPr>
             </a:pPr>
             <a:r>
-              <a:rPr dirty="0"/>
+              <a:rPr sz="2800" dirty="0">
+                <a:solidFill>
+                  <a:schemeClr val="tx1"/>
+                </a:solidFill>
+              </a:rPr>
               <a:t>Pin/lock pages</a:t>
             </a:r>
-            <a:endParaRPr sz="3168" dirty="0"/>
           </a:p>
           <a:p>
             <a:pPr marL="782319" lvl="1" indent="-342264" defTabSz="578358">
@@ -12040,10 +11976,13 @@
               </a:defRPr>
             </a:pPr>
             <a:r>
-              <a:rPr dirty="0"/>
+              <a:rPr sz="2800" dirty="0">
+                <a:solidFill>
+                  <a:schemeClr val="tx1"/>
+                </a:solidFill>
+              </a:rPr>
               <a:t>Zero pages</a:t>
             </a:r>
-            <a:endParaRPr sz="3168" dirty="0"/>
           </a:p>
           <a:p>
             <a:pPr marL="782319" lvl="1" indent="-342264" defTabSz="578358">
@@ -12063,10 +12002,13 @@
               </a:defRPr>
             </a:pPr>
             <a:r>
-              <a:rPr dirty="0"/>
+              <a:rPr sz="2800" dirty="0">
+                <a:solidFill>
+                  <a:schemeClr val="tx1"/>
+                </a:solidFill>
+              </a:rPr>
               <a:t>Shared pages</a:t>
             </a:r>
-            <a:endParaRPr sz="3168" dirty="0"/>
           </a:p>
           <a:p>
             <a:pPr marL="782319" lvl="1" indent="-342264" defTabSz="578358">
@@ -12086,10 +12028,13 @@
               </a:defRPr>
             </a:pPr>
             <a:r>
-              <a:rPr dirty="0"/>
+              <a:rPr sz="2800" dirty="0">
+                <a:solidFill>
+                  <a:schemeClr val="tx1"/>
+                </a:solidFill>
+              </a:rPr>
               <a:t>Copy-on-write</a:t>
             </a:r>
-            <a:endParaRPr sz="3168" dirty="0"/>
           </a:p>
           <a:p>
             <a:pPr marL="782319" lvl="1" indent="-342264" defTabSz="578358">
@@ -12109,10 +12054,18 @@
               </a:defRPr>
             </a:pPr>
             <a:r>
-              <a:rPr dirty="0"/>
+              <a:rPr sz="2800" dirty="0">
+                <a:solidFill>
+                  <a:schemeClr val="tx1"/>
+                </a:solidFill>
+              </a:rPr>
               <a:t>Distributed shared memory</a:t>
             </a:r>
-            <a:endParaRPr sz="3168" dirty="0"/>
+            <a:endParaRPr lang="en-US" sz="2800" dirty="0">
+              <a:solidFill>
+                <a:schemeClr val="tx1"/>
+              </a:solidFill>
+            </a:endParaRPr>
           </a:p>
           <a:p>
             <a:pPr marL="782319" lvl="1" indent="-342264" defTabSz="578358">
@@ -12132,10 +12085,44 @@
               </a:defRPr>
             </a:pPr>
             <a:r>
-              <a:rPr dirty="0"/>
+              <a:rPr lang="en-US" sz="2800" dirty="0">
+                <a:solidFill>
+                  <a:schemeClr val="tx1"/>
+                </a:solidFill>
+              </a:rPr>
+              <a:t>Separation of policy and mechanism</a:t>
+            </a:r>
+            <a:endParaRPr sz="2800" dirty="0">
+              <a:solidFill>
+                <a:schemeClr val="tx1"/>
+              </a:solidFill>
+            </a:endParaRPr>
+          </a:p>
+          <a:p>
+            <a:pPr marL="782319" lvl="1" indent="-342264" defTabSz="578358">
+              <a:lnSpc>
+                <a:spcPct val="90000"/>
+              </a:lnSpc>
+              <a:spcBef>
+                <a:spcPts val="400"/>
+              </a:spcBef>
+              <a:buClr>
+                <a:srgbClr val="9FB8CD"/>
+              </a:buClr>
+              <a:defRPr sz="2772">
+                <a:solidFill>
+                  <a:srgbClr val="464653"/>
+                </a:solidFill>
+              </a:defRPr>
+            </a:pPr>
+            <a:r>
+              <a:rPr sz="2800" dirty="0">
+                <a:solidFill>
+                  <a:schemeClr val="tx1"/>
+                </a:solidFill>
+              </a:rPr>
               <a:t>Virtual memory in Unix and Linux</a:t>
             </a:r>
-            <a:endParaRPr sz="3168" dirty="0"/>
           </a:p>
           <a:p>
             <a:pPr marL="782319" lvl="1" indent="-342264" defTabSz="578358">
@@ -12155,7 +12142,7 @@
               </a:defRPr>
             </a:pPr>
             <a:r>
-              <a:rPr dirty="0">
+              <a:rPr sz="2800" dirty="0">
                 <a:solidFill>
                   <a:schemeClr val="tx1"/>
                 </a:solidFill>
@@ -18313,6 +18300,7 @@
               <a:defRPr sz="2632"/>
             </a:pPr>
             <a:r>
+              <a:rPr dirty="0"/>
               <a:t>Linux address space for 32-bit machines</a:t>
             </a:r>
           </a:p>
@@ -18334,6 +18322,7 @@
               </a:defRPr>
             </a:pPr>
             <a:r>
+              <a:rPr dirty="0"/>
               <a:t>3GB user space</a:t>
             </a:r>
           </a:p>
@@ -18355,6 +18344,7 @@
               </a:defRPr>
             </a:pPr>
             <a:r>
+              <a:rPr dirty="0"/>
               <a:t>1GB kernel (invisible at user level)</a:t>
             </a:r>
           </a:p>
@@ -18369,6 +18359,7 @@
               <a:defRPr sz="2632"/>
             </a:pPr>
             <a:r>
+              <a:rPr dirty="0"/>
               <a:t>Backing store</a:t>
             </a:r>
           </a:p>
@@ -18390,6 +18381,7 @@
               </a:defRPr>
             </a:pPr>
             <a:r>
+              <a:rPr dirty="0"/>
               <a:t>Text segment uses executable binary file as backing storage</a:t>
             </a:r>
           </a:p>
@@ -18411,6 +18403,7 @@
               </a:defRPr>
             </a:pPr>
             <a:r>
+              <a:rPr dirty="0"/>
               <a:t>Other segments get backing storage on demand</a:t>
             </a:r>
           </a:p>
@@ -18425,6 +18418,7 @@
               <a:defRPr sz="2632"/>
             </a:pPr>
             <a:r>
+              <a:rPr dirty="0"/>
               <a:t>Copy-on-write for forking off processes</a:t>
             </a:r>
           </a:p>
@@ -18439,6 +18433,7 @@
               <a:defRPr sz="2632"/>
             </a:pPr>
             <a:r>
+              <a:rPr dirty="0"/>
               <a:t>Multi-level paging</a:t>
             </a:r>
           </a:p>
@@ -18460,6 +18455,7 @@
               </a:defRPr>
             </a:pPr>
             <a:r>
+              <a:rPr dirty="0"/>
               <a:t>Directory, middle (nil for Pentium), page, offset</a:t>
             </a:r>
           </a:p>
@@ -18481,6 +18477,7 @@
               </a:defRPr>
             </a:pPr>
             <a:r>
+              <a:rPr dirty="0"/>
               <a:t>Kernel is pinned</a:t>
             </a:r>
           </a:p>
@@ -18502,7 +18499,8 @@
               </a:defRPr>
             </a:pPr>
             <a:r>
-              <a:t> Buddy algorithm with carving slabs for page frame allocation</a:t>
+              <a:rPr dirty="0"/>
+              <a:t>Buddy algorithm with carving slabs for page frame allocation</a:t>
             </a:r>
           </a:p>
           <a:p>
@@ -18516,6 +18514,7 @@
               <a:defRPr sz="2632"/>
             </a:pPr>
             <a:r>
+              <a:rPr dirty="0"/>
               <a:t>Replacement</a:t>
             </a:r>
           </a:p>
@@ -18537,6 +18536,7 @@
               </a:defRPr>
             </a:pPr>
             <a:r>
+              <a:rPr dirty="0"/>
               <a:t>Keep certain number of pages free</a:t>
             </a:r>
           </a:p>
@@ -18558,6 +18558,7 @@
               </a:defRPr>
             </a:pPr>
             <a:r>
+              <a:rPr dirty="0"/>
               <a:t>Clock algorithm on paging cache and file buffer cache</a:t>
             </a:r>
           </a:p>
@@ -18579,6 +18580,7 @@
               </a:defRPr>
             </a:pPr>
             <a:r>
+              <a:rPr dirty="0"/>
               <a:t>Clock algorithm on unused shared pages</a:t>
             </a:r>
           </a:p>
@@ -18600,6 +18602,7 @@
               </a:defRPr>
             </a:pPr>
             <a:r>
+              <a:rPr dirty="0"/>
               <a:t>Modified Clock on memory of user processes (most physical pages first)</a:t>
             </a:r>
           </a:p>
@@ -20466,268 +20469,6 @@
             <a:fld id="{86CB4B4D-7CA3-9044-876B-883B54F8677D}" type="slidenum">
               <a:rPr lang="en-US" smtClean="0"/>
               <a:t>60</a:t>
-            </a:fld>
-            <a:endParaRPr lang="en-US"/>
-          </a:p>
-        </p:txBody>
-      </p:sp>
-    </p:spTree>
-  </p:cSld>
-  <p:clrMapOvr>
-    <a:masterClrMapping/>
-  </p:clrMapOvr>
-  <p:transition spd="slow"/>
-</p:sld>
-</file>
-
-<file path=ppt/slides/slide61.xml><?xml version="1.0" encoding="utf-8"?>
-<p:sld xmlns:a="http://schemas.openxmlformats.org/drawingml/2006/main" xmlns:r="http://schemas.openxmlformats.org/officeDocument/2006/relationships" xmlns:p="http://schemas.openxmlformats.org/presentationml/2006/main">
-  <p:cSld>
-    <p:spTree>
-      <p:nvGrpSpPr>
-        <p:cNvPr id="1" name=""/>
-        <p:cNvGrpSpPr/>
-        <p:nvPr/>
-      </p:nvGrpSpPr>
-      <p:grpSpPr>
-        <a:xfrm>
-          <a:off x="0" y="0"/>
-          <a:ext cx="0" cy="0"/>
-          <a:chOff x="0" y="0"/>
-          <a:chExt cx="0" cy="0"/>
-        </a:xfrm>
-      </p:grpSpPr>
-      <p:sp>
-        <p:nvSpPr>
-          <p:cNvPr id="385" name="Shape 385"/>
-          <p:cNvSpPr>
-            <a:spLocks noGrp="1"/>
-          </p:cNvSpPr>
-          <p:nvPr>
-            <p:ph type="title"/>
-          </p:nvPr>
-        </p:nvSpPr>
-        <p:spPr>
-          <a:prstGeom prst="rect">
-            <a:avLst/>
-          </a:prstGeom>
-        </p:spPr>
-        <p:txBody>
-          <a:bodyPr/>
-          <a:lstStyle/>
-          <a:p>
-            <a:r>
-              <a:t>Learn More</a:t>
-            </a:r>
-          </a:p>
-        </p:txBody>
-      </p:sp>
-      <p:sp>
-        <p:nvSpPr>
-          <p:cNvPr id="386" name="Shape 386"/>
-          <p:cNvSpPr>
-            <a:spLocks noGrp="1"/>
-          </p:cNvSpPr>
-          <p:nvPr>
-            <p:ph type="body" idx="1"/>
-          </p:nvPr>
-        </p:nvSpPr>
-        <p:spPr>
-          <a:prstGeom prst="rect">
-            <a:avLst/>
-          </a:prstGeom>
-        </p:spPr>
-        <p:txBody>
-          <a:bodyPr/>
-          <a:lstStyle/>
-          <a:p>
-            <a:r>
-              <a:t>Virtual Memory on 64-bit architectures</a:t>
-            </a:r>
-          </a:p>
-          <a:p>
-            <a:pPr marL="839611" lvl="1" indent="-395111">
-              <a:spcBef>
-                <a:spcPts val="500"/>
-              </a:spcBef>
-              <a:buClr>
-                <a:srgbClr val="9FB8CD"/>
-              </a:buClr>
-              <a:defRPr sz="3200">
-                <a:solidFill>
-                  <a:srgbClr val="464653"/>
-                </a:solidFill>
-              </a:defRPr>
-            </a:pPr>
-            <a:r>
-              <a:t>How do they implement paging?</a:t>
-            </a:r>
-          </a:p>
-          <a:p>
-            <a:pPr marL="1234722" lvl="2" indent="-345722">
-              <a:spcBef>
-                <a:spcPts val="500"/>
-              </a:spcBef>
-              <a:buClr>
-                <a:srgbClr val="BABABA"/>
-              </a:buClr>
-              <a:defRPr sz="2800"/>
-            </a:pPr>
-            <a:r>
-              <a:t>Multi-level page table or inverted page table?</a:t>
-            </a:r>
-          </a:p>
-          <a:p>
-            <a:pPr marL="839611" lvl="1" indent="-395111">
-              <a:spcBef>
-                <a:spcPts val="500"/>
-              </a:spcBef>
-              <a:buClr>
-                <a:srgbClr val="9FB8CD"/>
-              </a:buClr>
-              <a:defRPr sz="3200">
-                <a:solidFill>
-                  <a:srgbClr val="464653"/>
-                </a:solidFill>
-              </a:defRPr>
-            </a:pPr>
-            <a:r>
-              <a:t>How is the TLB implemented?</a:t>
-            </a:r>
-          </a:p>
-          <a:p>
-            <a:pPr marL="1234722" lvl="2" indent="-345722">
-              <a:spcBef>
-                <a:spcPts val="500"/>
-              </a:spcBef>
-              <a:buClr>
-                <a:srgbClr val="BABABA"/>
-              </a:buClr>
-              <a:defRPr sz="2800"/>
-            </a:pPr>
-            <a:r>
-              <a:t>Hardware or software?</a:t>
-            </a:r>
-          </a:p>
-          <a:p>
-            <a:pPr marL="1234722" lvl="2" indent="-345722">
-              <a:spcBef>
-                <a:spcPts val="500"/>
-              </a:spcBef>
-              <a:buClr>
-                <a:srgbClr val="BABABA"/>
-              </a:buClr>
-              <a:defRPr sz="2800"/>
-            </a:pPr>
-            <a:r>
-              <a:t>Size?</a:t>
-            </a:r>
-          </a:p>
-          <a:p>
-            <a:pPr marL="839611" lvl="1" indent="-395111">
-              <a:spcBef>
-                <a:spcPts val="500"/>
-              </a:spcBef>
-              <a:buClr>
-                <a:srgbClr val="9FB8CD"/>
-              </a:buClr>
-              <a:defRPr sz="3200">
-                <a:solidFill>
-                  <a:srgbClr val="464653"/>
-                </a:solidFill>
-              </a:defRPr>
-            </a:pPr>
-            <a:r>
-              <a:t>How big is the address space provided to processes?</a:t>
-            </a:r>
-          </a:p>
-          <a:p>
-            <a:pPr marL="1234722" lvl="2" indent="-345722">
-              <a:spcBef>
-                <a:spcPts val="500"/>
-              </a:spcBef>
-              <a:buClr>
-                <a:srgbClr val="BABABA"/>
-              </a:buClr>
-              <a:defRPr sz="2800"/>
-            </a:pPr>
-            <a:r>
-              <a:t>2</a:t>
-            </a:r>
-            <a:r>
-              <a:rPr baseline="30571"/>
-              <a:t>64</a:t>
-            </a:r>
-            <a:r>
-              <a:t>?</a:t>
-            </a:r>
-          </a:p>
-          <a:p>
-            <a:pPr marL="839611" lvl="1" indent="-395111">
-              <a:spcBef>
-                <a:spcPts val="500"/>
-              </a:spcBef>
-              <a:buClr>
-                <a:srgbClr val="9FB8CD"/>
-              </a:buClr>
-              <a:defRPr sz="3200">
-                <a:solidFill>
-                  <a:srgbClr val="464653"/>
-                </a:solidFill>
-              </a:defRPr>
-            </a:pPr>
-            <a:r>
-              <a:t>How is the address space used?</a:t>
-            </a:r>
-          </a:p>
-          <a:p>
-            <a:pPr marL="1234722" lvl="2" indent="-345722">
-              <a:spcBef>
-                <a:spcPts val="500"/>
-              </a:spcBef>
-              <a:buClr>
-                <a:srgbClr val="BABABA"/>
-              </a:buClr>
-              <a:defRPr sz="2800"/>
-            </a:pPr>
-            <a:r>
-              <a:t>Are there problems we avoid compared to 32-bit architectures?</a:t>
-            </a:r>
-          </a:p>
-          <a:p>
-            <a:pPr marL="1234722" lvl="2" indent="-345722">
-              <a:spcBef>
-                <a:spcPts val="500"/>
-              </a:spcBef>
-              <a:buClr>
-                <a:srgbClr val="BABABA"/>
-              </a:buClr>
-              <a:defRPr sz="2800"/>
-            </a:pPr>
-            <a:r>
-              <a:t>Are there new problems?</a:t>
-            </a:r>
-          </a:p>
-        </p:txBody>
-      </p:sp>
-      <p:sp>
-        <p:nvSpPr>
-          <p:cNvPr id="2" name="Slide Number Placeholder 1"/>
-          <p:cNvSpPr>
-            <a:spLocks noGrp="1"/>
-          </p:cNvSpPr>
-          <p:nvPr>
-            <p:ph type="sldNum" sz="quarter" idx="2"/>
-          </p:nvPr>
-        </p:nvSpPr>
-        <p:spPr/>
-        <p:txBody>
-          <a:bodyPr/>
-          <a:lstStyle/>
-          <a:p>
-            <a:fld id="{86CB4B4D-7CA3-9044-876B-883B54F8677D}" type="slidenum">
-              <a:rPr lang="en-US" smtClean="0"/>
-              <a:t>61</a:t>
             </a:fld>
             <a:endParaRPr lang="en-US"/>
           </a:p>
